--- a/Presentation.pptx
+++ b/Presentation.pptx
@@ -307,7 +307,7 @@
           <a:p>
             <a:fld id="{CE308CB4-5BFE-FB42-A6A4-99C26AE6CCAF}" type="datetimeFigureOut">
               <a:rPr lang="en-US" smtClean="0"/>
-              <a:t>5/10/14</a:t>
+              <a:t>5/11/14</a:t>
             </a:fld>
             <a:endParaRPr lang="en-US"/>
           </a:p>
@@ -507,7 +507,7 @@
           <a:p>
             <a:fld id="{CE308CB4-5BFE-FB42-A6A4-99C26AE6CCAF}" type="datetimeFigureOut">
               <a:rPr lang="en-US" smtClean="0"/>
-              <a:t>5/10/14</a:t>
+              <a:t>5/11/14</a:t>
             </a:fld>
             <a:endParaRPr lang="en-US"/>
           </a:p>
@@ -682,7 +682,7 @@
           <a:p>
             <a:fld id="{CE308CB4-5BFE-FB42-A6A4-99C26AE6CCAF}" type="datetimeFigureOut">
               <a:rPr lang="en-US" smtClean="0"/>
-              <a:t>5/10/14</a:t>
+              <a:t>5/11/14</a:t>
             </a:fld>
             <a:endParaRPr lang="en-US"/>
           </a:p>
@@ -847,7 +847,7 @@
           <a:p>
             <a:fld id="{CE308CB4-5BFE-FB42-A6A4-99C26AE6CCAF}" type="datetimeFigureOut">
               <a:rPr lang="en-US" smtClean="0"/>
-              <a:t>5/10/14</a:t>
+              <a:t>5/11/14</a:t>
             </a:fld>
             <a:endParaRPr lang="en-US"/>
           </a:p>
@@ -1095,7 +1095,7 @@
           <a:p>
             <a:fld id="{CE308CB4-5BFE-FB42-A6A4-99C26AE6CCAF}" type="datetimeFigureOut">
               <a:rPr lang="en-US" smtClean="0"/>
-              <a:t>5/10/14</a:t>
+              <a:t>5/11/14</a:t>
             </a:fld>
             <a:endParaRPr lang="en-US"/>
           </a:p>
@@ -1413,7 +1413,7 @@
           <a:p>
             <a:fld id="{CE308CB4-5BFE-FB42-A6A4-99C26AE6CCAF}" type="datetimeFigureOut">
               <a:rPr lang="en-US" smtClean="0"/>
-              <a:t>5/10/14</a:t>
+              <a:t>5/11/14</a:t>
             </a:fld>
             <a:endParaRPr lang="en-US"/>
           </a:p>
@@ -1879,7 +1879,7 @@
           <a:p>
             <a:fld id="{CE308CB4-5BFE-FB42-A6A4-99C26AE6CCAF}" type="datetimeFigureOut">
               <a:rPr lang="en-US" smtClean="0"/>
-              <a:t>5/10/14</a:t>
+              <a:t>5/11/14</a:t>
             </a:fld>
             <a:endParaRPr lang="en-US"/>
           </a:p>
@@ -2027,7 +2027,7 @@
           <a:p>
             <a:fld id="{CE308CB4-5BFE-FB42-A6A4-99C26AE6CCAF}" type="datetimeFigureOut">
               <a:rPr lang="en-US" smtClean="0"/>
-              <a:t>5/10/14</a:t>
+              <a:t>5/11/14</a:t>
             </a:fld>
             <a:endParaRPr lang="en-US"/>
           </a:p>
@@ -2117,7 +2117,7 @@
           <a:p>
             <a:fld id="{CE308CB4-5BFE-FB42-A6A4-99C26AE6CCAF}" type="datetimeFigureOut">
               <a:rPr lang="en-US" smtClean="0"/>
-              <a:t>5/10/14</a:t>
+              <a:t>5/11/14</a:t>
             </a:fld>
             <a:endParaRPr lang="en-US"/>
           </a:p>
@@ -2391,7 +2391,7 @@
           <a:p>
             <a:fld id="{CE308CB4-5BFE-FB42-A6A4-99C26AE6CCAF}" type="datetimeFigureOut">
               <a:rPr lang="en-US" smtClean="0"/>
-              <a:t>5/10/14</a:t>
+              <a:t>5/11/14</a:t>
             </a:fld>
             <a:endParaRPr lang="en-US"/>
           </a:p>
@@ -2696,7 +2696,7 @@
           <a:p>
             <a:fld id="{CE308CB4-5BFE-FB42-A6A4-99C26AE6CCAF}" type="datetimeFigureOut">
               <a:rPr lang="en-US" smtClean="0"/>
-              <a:t>5/10/14</a:t>
+              <a:t>5/11/14</a:t>
             </a:fld>
             <a:endParaRPr lang="en-US"/>
           </a:p>
@@ -3000,7 +3000,7 @@
             <a:fld id="{CE308CB4-5BFE-FB42-A6A4-99C26AE6CCAF}" type="datetimeFigureOut">
               <a:rPr lang="en-US" smtClean="0"/>
               <a:pPr/>
-              <a:t>5/10/14</a:t>
+              <a:t>5/11/14</a:t>
             </a:fld>
             <a:endParaRPr lang="en-US" dirty="0"/>
           </a:p>
@@ -3642,8 +3642,36 @@
           <a:p>
             <a:r>
               <a:rPr lang="en-US" sz="2800" dirty="0" smtClean="0"/>
-              <a:t>Playability is very high</a:t>
-            </a:r>
+              <a:t>Playability is very </a:t>
+            </a:r>
+            <a:r>
+              <a:rPr lang="en-US" sz="2800" dirty="0" smtClean="0"/>
+              <a:t>high</a:t>
+            </a:r>
+          </a:p>
+          <a:p>
+            <a:pPr lvl="1"/>
+            <a:r>
+              <a:rPr lang="en-US" dirty="0" smtClean="0"/>
+              <a:t>But live </a:t>
+            </a:r>
+            <a:r>
+              <a:rPr lang="en-US" smtClean="0"/>
+              <a:t>parameter adjustment </a:t>
+            </a:r>
+            <a:r>
+              <a:rPr lang="en-US" dirty="0" smtClean="0"/>
+              <a:t>requires practice</a:t>
+            </a:r>
+            <a:endParaRPr lang="en-US" dirty="0"/>
+          </a:p>
+          <a:p>
+            <a:pPr lvl="1"/>
+            <a:r>
+              <a:rPr lang="en-US" dirty="0" smtClean="0"/>
+              <a:t>Could be programmed</a:t>
+            </a:r>
+            <a:endParaRPr lang="en-US" sz="2800" dirty="0" smtClean="0"/>
           </a:p>
           <a:p>
             <a:pPr lvl="1"/>
@@ -3661,18 +3689,12 @@
           <a:p>
             <a:r>
               <a:rPr lang="en-US" sz="2800" dirty="0" smtClean="0"/>
-              <a:t>Some consonants are great</a:t>
-            </a:r>
-          </a:p>
-          <a:p>
-            <a:endParaRPr lang="en-US" sz="2800" dirty="0"/>
-          </a:p>
-          <a:p>
+              <a:t>Some consonants are </a:t>
+            </a:r>
             <a:r>
               <a:rPr lang="en-US" sz="2800" dirty="0" smtClean="0"/>
-              <a:t>Others are hardly distinguishable</a:t>
-            </a:r>
-            <a:endParaRPr lang="en-US" sz="2800" dirty="0"/>
+              <a:t>great, while others are hard to distinguish</a:t>
+            </a:r>
           </a:p>
         </p:txBody>
       </p:sp>
@@ -4006,7 +4028,15 @@
             </a:pPr>
             <a:r>
               <a:rPr lang="en-US" sz="2000" dirty="0" smtClean="0"/>
-              <a:t>Supports H, F, V, S, Z, T, D, P, B, K, G, M, N</a:t>
+              <a:t>Supports H, F, V, S, Z, T, D, P, B, K, G, </a:t>
+            </a:r>
+            <a:r>
+              <a:rPr lang="en-US" sz="2000" dirty="0" smtClean="0"/>
+              <a:t>L, M</a:t>
+            </a:r>
+            <a:r>
+              <a:rPr lang="en-US" sz="2000" dirty="0" smtClean="0"/>
+              <a:t>, N</a:t>
             </a:r>
           </a:p>
           <a:p>
@@ -4168,15 +4198,15 @@
       </p:sp>
       <p:grpSp>
         <p:nvGrpSpPr>
-          <p:cNvPr id="24" name="Group 23"/>
+          <p:cNvPr id="27" name="Group 26"/>
           <p:cNvGrpSpPr/>
           <p:nvPr/>
         </p:nvGrpSpPr>
         <p:grpSpPr>
           <a:xfrm>
-            <a:off x="102965" y="2275856"/>
+            <a:off x="102965" y="3702163"/>
             <a:ext cx="8938067" cy="2928557"/>
-            <a:chOff x="102965" y="1880238"/>
+            <a:chOff x="102965" y="2057225"/>
             <a:chExt cx="8938067" cy="2928557"/>
           </a:xfrm>
         </p:grpSpPr>
@@ -4202,7 +4232,7 @@
           </p:blipFill>
           <p:spPr>
             <a:xfrm>
-              <a:off x="102965" y="1880238"/>
+              <a:off x="102965" y="2057225"/>
               <a:ext cx="8938067" cy="2311217"/>
             </a:xfrm>
             <a:prstGeom prst="rect">
@@ -4218,7 +4248,7 @@
           </p:nvSpPr>
           <p:spPr>
             <a:xfrm rot="16200000">
-              <a:off x="7039318" y="2517833"/>
+              <a:off x="7039318" y="2694820"/>
               <a:ext cx="248012" cy="3595247"/>
             </a:xfrm>
             <a:prstGeom prst="leftBrace">
@@ -4256,7 +4286,7 @@
           </p:nvSpPr>
           <p:spPr>
             <a:xfrm>
-              <a:off x="5983500" y="4439463"/>
+              <a:off x="5983500" y="4616450"/>
               <a:ext cx="2356789" cy="369332"/>
             </a:xfrm>
             <a:prstGeom prst="rect">
@@ -4293,7 +4323,7 @@
           </p:nvSpPr>
           <p:spPr>
             <a:xfrm flipH="1">
-              <a:off x="2960081" y="3232202"/>
+              <a:off x="2960081" y="3409189"/>
               <a:ext cx="285008" cy="276999"/>
             </a:xfrm>
             <a:prstGeom prst="rect">
@@ -4336,7 +4366,7 @@
           </p:nvSpPr>
           <p:spPr>
             <a:xfrm flipH="1">
-              <a:off x="3327487" y="3241102"/>
+              <a:off x="3327487" y="3418089"/>
               <a:ext cx="285008" cy="276999"/>
             </a:xfrm>
             <a:prstGeom prst="rect">
@@ -4379,7 +4409,7 @@
           </p:nvSpPr>
           <p:spPr>
             <a:xfrm flipH="1">
-              <a:off x="4082508" y="3232202"/>
+              <a:off x="4082508" y="3409189"/>
               <a:ext cx="285008" cy="276999"/>
             </a:xfrm>
             <a:prstGeom prst="rect">
@@ -4422,7 +4452,7 @@
           </p:nvSpPr>
           <p:spPr>
             <a:xfrm flipH="1">
-              <a:off x="4452518" y="3232202"/>
+              <a:off x="4452518" y="3409189"/>
               <a:ext cx="285008" cy="276999"/>
             </a:xfrm>
             <a:prstGeom prst="rect">
@@ -4458,7 +4488,7 @@
           </p:nvSpPr>
           <p:spPr>
             <a:xfrm flipH="1">
-              <a:off x="4827528" y="3241102"/>
+              <a:off x="4827528" y="3418089"/>
               <a:ext cx="285008" cy="276999"/>
             </a:xfrm>
             <a:prstGeom prst="rect">
@@ -4494,7 +4524,7 @@
           </p:nvSpPr>
           <p:spPr>
             <a:xfrm flipH="1">
-              <a:off x="2735074" y="3839594"/>
+              <a:off x="2735074" y="4016581"/>
               <a:ext cx="360009" cy="276999"/>
             </a:xfrm>
             <a:prstGeom prst="rect">
@@ -4531,7 +4561,7 @@
           </p:nvSpPr>
           <p:spPr>
             <a:xfrm flipH="1">
-              <a:off x="3102474" y="3846994"/>
+              <a:off x="3102474" y="4023981"/>
               <a:ext cx="360009" cy="276999"/>
             </a:xfrm>
             <a:prstGeom prst="rect">
@@ -4564,7 +4594,7 @@
           </p:nvSpPr>
           <p:spPr>
             <a:xfrm flipH="1">
-              <a:off x="3472483" y="3846994"/>
+              <a:off x="3472483" y="4013570"/>
               <a:ext cx="360009" cy="276999"/>
             </a:xfrm>
             <a:prstGeom prst="rect">
@@ -4586,10 +4616,6 @@
                 </a:rPr>
                 <a:t>D</a:t>
               </a:r>
-              <a:endParaRPr lang="en-US" dirty="0">
-                <a:latin typeface="Avenir Black"/>
-                <a:cs typeface="Avenir Black"/>
-              </a:endParaRPr>
             </a:p>
           </p:txBody>
         </p:sp>
@@ -4601,7 +4627,291 @@
           </p:nvSpPr>
           <p:spPr>
             <a:xfrm flipH="1">
-              <a:off x="3857501" y="3839594"/>
+              <a:off x="3857501" y="4016581"/>
+              <a:ext cx="360009" cy="276999"/>
+            </a:xfrm>
+            <a:prstGeom prst="rect">
+              <a:avLst/>
+            </a:prstGeom>
+            <a:noFill/>
+          </p:spPr>
+          <p:txBody>
+            <a:bodyPr wrap="square" lIns="0" tIns="0" rIns="0" bIns="0" rtlCol="0">
+              <a:spAutoFit/>
+            </a:bodyPr>
+            <a:lstStyle/>
+            <a:p>
+              <a:pPr algn="ctr"/>
+              <a:r>
+                <a:rPr lang="en-US" dirty="0">
+                  <a:latin typeface="Avenir Black"/>
+                  <a:cs typeface="Avenir Black"/>
+                </a:rPr>
+                <a:t>F</a:t>
+              </a:r>
+              <a:endParaRPr lang="en-US" dirty="0">
+                <a:latin typeface="Avenir Black"/>
+                <a:cs typeface="Avenir Black"/>
+              </a:endParaRPr>
+            </a:p>
+          </p:txBody>
+        </p:sp>
+        <p:sp>
+          <p:nvSpPr>
+            <p:cNvPr id="16" name="TextBox 15"/>
+            <p:cNvSpPr txBox="1"/>
+            <p:nvPr/>
+          </p:nvSpPr>
+          <p:spPr>
+            <a:xfrm flipH="1">
+              <a:off x="4222510" y="4010070"/>
+              <a:ext cx="360009" cy="276999"/>
+            </a:xfrm>
+            <a:prstGeom prst="rect">
+              <a:avLst/>
+            </a:prstGeom>
+            <a:noFill/>
+          </p:spPr>
+          <p:txBody>
+            <a:bodyPr wrap="square" lIns="0" tIns="0" rIns="0" bIns="0" rtlCol="0">
+              <a:spAutoFit/>
+            </a:bodyPr>
+            <a:lstStyle/>
+            <a:p>
+              <a:pPr algn="ctr"/>
+              <a:r>
+                <a:rPr lang="en-US" dirty="0" smtClean="0">
+                  <a:latin typeface="Avenir Black"/>
+                  <a:cs typeface="Avenir Black"/>
+                </a:rPr>
+                <a:t>V</a:t>
+              </a:r>
+              <a:endParaRPr lang="en-US" dirty="0">
+                <a:latin typeface="Avenir Black"/>
+                <a:cs typeface="Avenir Black"/>
+              </a:endParaRPr>
+            </a:p>
+          </p:txBody>
+        </p:sp>
+        <p:sp>
+          <p:nvSpPr>
+            <p:cNvPr id="17" name="TextBox 16"/>
+            <p:cNvSpPr txBox="1"/>
+            <p:nvPr/>
+          </p:nvSpPr>
+          <p:spPr>
+            <a:xfrm flipH="1">
+              <a:off x="4587519" y="4013570"/>
+              <a:ext cx="360009" cy="276999"/>
+            </a:xfrm>
+            <a:prstGeom prst="rect">
+              <a:avLst/>
+            </a:prstGeom>
+            <a:noFill/>
+          </p:spPr>
+          <p:txBody>
+            <a:bodyPr wrap="square" lIns="0" tIns="0" rIns="0" bIns="0" rtlCol="0">
+              <a:spAutoFit/>
+            </a:bodyPr>
+            <a:lstStyle/>
+            <a:p>
+              <a:pPr algn="ctr"/>
+              <a:r>
+                <a:rPr lang="en-US" dirty="0" smtClean="0">
+                  <a:latin typeface="Avenir Black"/>
+                  <a:cs typeface="Avenir Black"/>
+                </a:rPr>
+                <a:t>L</a:t>
+              </a:r>
+              <a:endParaRPr lang="en-US" dirty="0">
+                <a:latin typeface="Avenir Black"/>
+                <a:cs typeface="Avenir Black"/>
+              </a:endParaRPr>
+            </a:p>
+          </p:txBody>
+        </p:sp>
+        <p:sp>
+          <p:nvSpPr>
+            <p:cNvPr id="18" name="TextBox 17"/>
+            <p:cNvSpPr txBox="1"/>
+            <p:nvPr/>
+          </p:nvSpPr>
+          <p:spPr>
+            <a:xfrm flipH="1">
+              <a:off x="4962528" y="4012137"/>
+              <a:ext cx="360009" cy="276999"/>
+            </a:xfrm>
+            <a:prstGeom prst="rect">
+              <a:avLst/>
+            </a:prstGeom>
+            <a:noFill/>
+          </p:spPr>
+          <p:txBody>
+            <a:bodyPr wrap="square" lIns="0" tIns="0" rIns="0" bIns="0" rtlCol="0">
+              <a:spAutoFit/>
+            </a:bodyPr>
+            <a:lstStyle/>
+            <a:p>
+              <a:pPr algn="ctr"/>
+              <a:r>
+                <a:rPr lang="en-US" dirty="0">
+                  <a:latin typeface="Avenir Black"/>
+                  <a:cs typeface="Avenir Black"/>
+                </a:rPr>
+                <a:t>M</a:t>
+              </a:r>
+            </a:p>
+          </p:txBody>
+        </p:sp>
+        <p:sp>
+          <p:nvSpPr>
+            <p:cNvPr id="19" name="TextBox 18"/>
+            <p:cNvSpPr txBox="1"/>
+            <p:nvPr/>
+          </p:nvSpPr>
+          <p:spPr>
+            <a:xfrm flipH="1">
+              <a:off x="2365065" y="4016581"/>
+              <a:ext cx="360009" cy="276999"/>
+            </a:xfrm>
+            <a:prstGeom prst="rect">
+              <a:avLst/>
+            </a:prstGeom>
+            <a:noFill/>
+          </p:spPr>
+          <p:txBody>
+            <a:bodyPr wrap="square" lIns="0" tIns="0" rIns="0" bIns="0" rtlCol="0">
+              <a:spAutoFit/>
+            </a:bodyPr>
+            <a:lstStyle/>
+            <a:p>
+              <a:pPr algn="ctr"/>
+              <a:r>
+                <a:rPr lang="en-US" dirty="0">
+                  <a:latin typeface="Avenir Black"/>
+                  <a:cs typeface="Avenir Black"/>
+                </a:rPr>
+                <a:t>N</a:t>
+              </a:r>
+            </a:p>
+          </p:txBody>
+        </p:sp>
+        <p:sp>
+          <p:nvSpPr>
+            <p:cNvPr id="20" name="TextBox 19"/>
+            <p:cNvSpPr txBox="1"/>
+            <p:nvPr/>
+          </p:nvSpPr>
+          <p:spPr>
+            <a:xfrm flipH="1">
+              <a:off x="2005056" y="4016581"/>
+              <a:ext cx="360009" cy="276999"/>
+            </a:xfrm>
+            <a:prstGeom prst="rect">
+              <a:avLst/>
+            </a:prstGeom>
+            <a:noFill/>
+          </p:spPr>
+          <p:txBody>
+            <a:bodyPr wrap="square" lIns="0" tIns="0" rIns="0" bIns="0" rtlCol="0">
+              <a:spAutoFit/>
+            </a:bodyPr>
+            <a:lstStyle/>
+            <a:p>
+              <a:pPr algn="ctr"/>
+              <a:r>
+                <a:rPr lang="en-US" dirty="0">
+                  <a:latin typeface="Avenir Black"/>
+                  <a:cs typeface="Avenir Black"/>
+                </a:rPr>
+                <a:t>G</a:t>
+              </a:r>
+            </a:p>
+          </p:txBody>
+        </p:sp>
+        <p:sp>
+          <p:nvSpPr>
+            <p:cNvPr id="21" name="TextBox 20"/>
+            <p:cNvSpPr txBox="1"/>
+            <p:nvPr/>
+          </p:nvSpPr>
+          <p:spPr>
+            <a:xfrm flipH="1">
+              <a:off x="1615047" y="4016581"/>
+              <a:ext cx="360009" cy="276999"/>
+            </a:xfrm>
+            <a:prstGeom prst="rect">
+              <a:avLst/>
+            </a:prstGeom>
+            <a:noFill/>
+          </p:spPr>
+          <p:txBody>
+            <a:bodyPr wrap="square" lIns="0" tIns="0" rIns="0" bIns="0" rtlCol="0">
+              <a:spAutoFit/>
+            </a:bodyPr>
+            <a:lstStyle/>
+            <a:p>
+              <a:pPr algn="ctr"/>
+              <a:r>
+                <a:rPr lang="en-US" dirty="0">
+                  <a:latin typeface="Avenir Black"/>
+                  <a:cs typeface="Avenir Black"/>
+                </a:rPr>
+                <a:t>K</a:t>
+              </a:r>
+              <a:endParaRPr lang="en-US" dirty="0">
+                <a:latin typeface="Avenir Black"/>
+                <a:cs typeface="Avenir Black"/>
+              </a:endParaRPr>
+            </a:p>
+          </p:txBody>
+        </p:sp>
+        <p:sp>
+          <p:nvSpPr>
+            <p:cNvPr id="22" name="TextBox 21"/>
+            <p:cNvSpPr txBox="1"/>
+            <p:nvPr/>
+          </p:nvSpPr>
+          <p:spPr>
+            <a:xfrm flipH="1">
+              <a:off x="1240038" y="4024059"/>
+              <a:ext cx="360009" cy="276999"/>
+            </a:xfrm>
+            <a:prstGeom prst="rect">
+              <a:avLst/>
+            </a:prstGeom>
+            <a:noFill/>
+          </p:spPr>
+          <p:txBody>
+            <a:bodyPr wrap="square" lIns="0" tIns="0" rIns="0" bIns="0" rtlCol="0">
+              <a:spAutoFit/>
+            </a:bodyPr>
+            <a:lstStyle/>
+            <a:p>
+              <a:pPr algn="ctr"/>
+              <a:r>
+                <a:rPr lang="en-US" dirty="0">
+                  <a:latin typeface="Avenir Black"/>
+                  <a:cs typeface="Avenir Black"/>
+                </a:rPr>
+                <a:t>B</a:t>
+              </a:r>
+              <a:endParaRPr lang="en-US" dirty="0">
+                <a:latin typeface="Avenir Black"/>
+                <a:cs typeface="Avenir Black"/>
+              </a:endParaRPr>
+            </a:p>
+          </p:txBody>
+        </p:sp>
+        <p:sp>
+          <p:nvSpPr>
+            <p:cNvPr id="23" name="TextBox 22"/>
+            <p:cNvSpPr txBox="1"/>
+            <p:nvPr/>
+          </p:nvSpPr>
+          <p:spPr>
+            <a:xfrm flipH="1">
+              <a:off x="880029" y="4020481"/>
               <a:ext cx="360009" cy="276999"/>
             </a:xfrm>
             <a:prstGeom prst="rect">
@@ -4632,13 +4942,13 @@
         </p:sp>
         <p:sp>
           <p:nvSpPr>
-            <p:cNvPr id="16" name="TextBox 15"/>
+            <p:cNvPr id="25" name="TextBox 24"/>
             <p:cNvSpPr txBox="1"/>
             <p:nvPr/>
           </p:nvSpPr>
           <p:spPr>
             <a:xfrm flipH="1">
-              <a:off x="4222510" y="3843494"/>
+              <a:off x="127350" y="4023981"/>
               <a:ext cx="360009" cy="276999"/>
             </a:xfrm>
             <a:prstGeom prst="rect">
@@ -4658,209 +4968,20 @@
                   <a:latin typeface="Avenir Black"/>
                   <a:cs typeface="Avenir Black"/>
                 </a:rPr>
-                <a:t>F</a:t>
+                <a:t>S</a:t>
               </a:r>
-              <a:endParaRPr lang="en-US" dirty="0">
-                <a:latin typeface="Avenir Black"/>
-                <a:cs typeface="Avenir Black"/>
-              </a:endParaRPr>
             </a:p>
           </p:txBody>
         </p:sp>
         <p:sp>
           <p:nvSpPr>
-            <p:cNvPr id="17" name="TextBox 16"/>
+            <p:cNvPr id="26" name="TextBox 25"/>
             <p:cNvSpPr txBox="1"/>
             <p:nvPr/>
           </p:nvSpPr>
           <p:spPr>
             <a:xfrm flipH="1">
-              <a:off x="4587519" y="3846994"/>
-              <a:ext cx="360009" cy="276999"/>
-            </a:xfrm>
-            <a:prstGeom prst="rect">
-              <a:avLst/>
-            </a:prstGeom>
-            <a:noFill/>
-          </p:spPr>
-          <p:txBody>
-            <a:bodyPr wrap="square" lIns="0" tIns="0" rIns="0" bIns="0" rtlCol="0">
-              <a:spAutoFit/>
-            </a:bodyPr>
-            <a:lstStyle/>
-            <a:p>
-              <a:pPr algn="ctr"/>
-              <a:r>
-                <a:rPr lang="en-US" dirty="0">
-                  <a:latin typeface="Avenir Black"/>
-                  <a:cs typeface="Avenir Black"/>
-                </a:rPr>
-                <a:t>V</a:t>
-              </a:r>
-              <a:endParaRPr lang="en-US" dirty="0">
-                <a:latin typeface="Avenir Black"/>
-                <a:cs typeface="Avenir Black"/>
-              </a:endParaRPr>
-            </a:p>
-          </p:txBody>
-        </p:sp>
-        <p:sp>
-          <p:nvSpPr>
-            <p:cNvPr id="18" name="TextBox 17"/>
-            <p:cNvSpPr txBox="1"/>
-            <p:nvPr/>
-          </p:nvSpPr>
-          <p:spPr>
-            <a:xfrm flipH="1">
-              <a:off x="4962528" y="3845561"/>
-              <a:ext cx="360009" cy="276999"/>
-            </a:xfrm>
-            <a:prstGeom prst="rect">
-              <a:avLst/>
-            </a:prstGeom>
-            <a:noFill/>
-          </p:spPr>
-          <p:txBody>
-            <a:bodyPr wrap="square" lIns="0" tIns="0" rIns="0" bIns="0" rtlCol="0">
-              <a:spAutoFit/>
-            </a:bodyPr>
-            <a:lstStyle/>
-            <a:p>
-              <a:pPr algn="ctr"/>
-              <a:r>
-                <a:rPr lang="en-US" dirty="0">
-                  <a:latin typeface="Avenir Black"/>
-                  <a:cs typeface="Avenir Black"/>
-                </a:rPr>
-                <a:t>M</a:t>
-              </a:r>
-              <a:endParaRPr lang="en-US" dirty="0">
-                <a:latin typeface="Avenir Black"/>
-                <a:cs typeface="Avenir Black"/>
-              </a:endParaRPr>
-            </a:p>
-          </p:txBody>
-        </p:sp>
-        <p:sp>
-          <p:nvSpPr>
-            <p:cNvPr id="19" name="TextBox 18"/>
-            <p:cNvSpPr txBox="1"/>
-            <p:nvPr/>
-          </p:nvSpPr>
-          <p:spPr>
-            <a:xfrm flipH="1">
-              <a:off x="2365065" y="3839594"/>
-              <a:ext cx="360009" cy="276999"/>
-            </a:xfrm>
-            <a:prstGeom prst="rect">
-              <a:avLst/>
-            </a:prstGeom>
-            <a:noFill/>
-          </p:spPr>
-          <p:txBody>
-            <a:bodyPr wrap="square" lIns="0" tIns="0" rIns="0" bIns="0" rtlCol="0">
-              <a:spAutoFit/>
-            </a:bodyPr>
-            <a:lstStyle/>
-            <a:p>
-              <a:pPr algn="ctr"/>
-              <a:r>
-                <a:rPr lang="en-US" dirty="0">
-                  <a:latin typeface="Avenir Black"/>
-                  <a:cs typeface="Avenir Black"/>
-                </a:rPr>
-                <a:t>N</a:t>
-              </a:r>
-              <a:endParaRPr lang="en-US" dirty="0">
-                <a:latin typeface="Avenir Black"/>
-                <a:cs typeface="Avenir Black"/>
-              </a:endParaRPr>
-            </a:p>
-          </p:txBody>
-        </p:sp>
-        <p:sp>
-          <p:nvSpPr>
-            <p:cNvPr id="20" name="TextBox 19"/>
-            <p:cNvSpPr txBox="1"/>
-            <p:nvPr/>
-          </p:nvSpPr>
-          <p:spPr>
-            <a:xfrm flipH="1">
-              <a:off x="2005056" y="3839594"/>
-              <a:ext cx="360009" cy="276999"/>
-            </a:xfrm>
-            <a:prstGeom prst="rect">
-              <a:avLst/>
-            </a:prstGeom>
-            <a:noFill/>
-          </p:spPr>
-          <p:txBody>
-            <a:bodyPr wrap="square" lIns="0" tIns="0" rIns="0" bIns="0" rtlCol="0">
-              <a:spAutoFit/>
-            </a:bodyPr>
-            <a:lstStyle/>
-            <a:p>
-              <a:pPr algn="ctr"/>
-              <a:r>
-                <a:rPr lang="en-US" dirty="0">
-                  <a:latin typeface="Avenir Black"/>
-                  <a:cs typeface="Avenir Black"/>
-                </a:rPr>
-                <a:t>G</a:t>
-              </a:r>
-              <a:endParaRPr lang="en-US" dirty="0">
-                <a:latin typeface="Avenir Black"/>
-                <a:cs typeface="Avenir Black"/>
-              </a:endParaRPr>
-            </a:p>
-          </p:txBody>
-        </p:sp>
-        <p:sp>
-          <p:nvSpPr>
-            <p:cNvPr id="21" name="TextBox 20"/>
-            <p:cNvSpPr txBox="1"/>
-            <p:nvPr/>
-          </p:nvSpPr>
-          <p:spPr>
-            <a:xfrm flipH="1">
-              <a:off x="1615047" y="3839594"/>
-              <a:ext cx="360009" cy="276999"/>
-            </a:xfrm>
-            <a:prstGeom prst="rect">
-              <a:avLst/>
-            </a:prstGeom>
-            <a:noFill/>
-          </p:spPr>
-          <p:txBody>
-            <a:bodyPr wrap="square" lIns="0" tIns="0" rIns="0" bIns="0" rtlCol="0">
-              <a:spAutoFit/>
-            </a:bodyPr>
-            <a:lstStyle/>
-            <a:p>
-              <a:pPr algn="ctr"/>
-              <a:r>
-                <a:rPr lang="en-US" dirty="0" smtClean="0">
-                  <a:latin typeface="Avenir Black"/>
-                  <a:cs typeface="Avenir Black"/>
-                </a:rPr>
-                <a:t>B</a:t>
-              </a:r>
-              <a:endParaRPr lang="en-US" dirty="0">
-                <a:latin typeface="Avenir Black"/>
-                <a:cs typeface="Avenir Black"/>
-              </a:endParaRPr>
-            </a:p>
-          </p:txBody>
-        </p:sp>
-        <p:sp>
-          <p:nvSpPr>
-            <p:cNvPr id="22" name="TextBox 21"/>
-            <p:cNvSpPr txBox="1"/>
-            <p:nvPr/>
-          </p:nvSpPr>
-          <p:spPr>
-            <a:xfrm flipH="1">
-              <a:off x="1240038" y="3836661"/>
+              <a:off x="497769" y="4023362"/>
               <a:ext cx="360009" cy="276999"/>
             </a:xfrm>
             <a:prstGeom prst="rect">
@@ -4882,19 +5003,120 @@
                 </a:rPr>
                 <a:t>Z</a:t>
               </a:r>
+              <a:endParaRPr lang="en-US" dirty="0">
+                <a:latin typeface="Avenir Black"/>
+                <a:cs typeface="Avenir Black"/>
+              </a:endParaRPr>
+            </a:p>
+          </p:txBody>
+        </p:sp>
+      </p:grpSp>
+      <p:grpSp>
+        <p:nvGrpSpPr>
+          <p:cNvPr id="56" name="Group 55"/>
+          <p:cNvGrpSpPr/>
+          <p:nvPr/>
+        </p:nvGrpSpPr>
+        <p:grpSpPr>
+          <a:xfrm>
+            <a:off x="457200" y="1773864"/>
+            <a:ext cx="4191490" cy="1641114"/>
+            <a:chOff x="707887" y="1624058"/>
+            <a:chExt cx="4191490" cy="1641114"/>
+          </a:xfrm>
+        </p:grpSpPr>
+        <p:sp>
+          <p:nvSpPr>
+            <p:cNvPr id="29" name="Rectangle 28"/>
+            <p:cNvSpPr/>
+            <p:nvPr/>
+          </p:nvSpPr>
+          <p:spPr>
+            <a:xfrm>
+              <a:off x="707887" y="2894154"/>
+              <a:ext cx="520507" cy="156166"/>
+            </a:xfrm>
+            <a:prstGeom prst="rect">
+              <a:avLst/>
+            </a:prstGeom>
+          </p:spPr>
+          <p:style>
+            <a:lnRef idx="1">
+              <a:schemeClr val="accent1"/>
+            </a:lnRef>
+            <a:fillRef idx="3">
+              <a:schemeClr val="accent1"/>
+            </a:fillRef>
+            <a:effectRef idx="2">
+              <a:schemeClr val="accent1"/>
+            </a:effectRef>
+            <a:fontRef idx="minor">
+              <a:schemeClr val="lt1"/>
+            </a:fontRef>
+          </p:style>
+          <p:txBody>
+            <a:bodyPr rtlCol="0" anchor="ctr"/>
+            <a:lstStyle/>
+            <a:p>
+              <a:pPr algn="ctr"/>
+              <a:endParaRPr lang="en-US"/>
             </a:p>
           </p:txBody>
         </p:sp>
         <p:sp>
           <p:nvSpPr>
-            <p:cNvPr id="23" name="TextBox 22"/>
+            <p:cNvPr id="28" name="Rounded Rectangle 27"/>
+            <p:cNvSpPr/>
+            <p:nvPr/>
+          </p:nvSpPr>
+          <p:spPr>
+            <a:xfrm>
+              <a:off x="707888" y="1624058"/>
+              <a:ext cx="520506" cy="1624057"/>
+            </a:xfrm>
+            <a:prstGeom prst="roundRect">
+              <a:avLst/>
+            </a:prstGeom>
+            <a:noFill/>
+            <a:ln>
+              <a:solidFill>
+                <a:schemeClr val="tx1"/>
+              </a:solidFill>
+            </a:ln>
+          </p:spPr>
+          <p:style>
+            <a:lnRef idx="1">
+              <a:schemeClr val="accent1"/>
+            </a:lnRef>
+            <a:fillRef idx="3">
+              <a:schemeClr val="accent1"/>
+            </a:fillRef>
+            <a:effectRef idx="2">
+              <a:schemeClr val="accent1"/>
+            </a:effectRef>
+            <a:fontRef idx="minor">
+              <a:schemeClr val="lt1"/>
+            </a:fontRef>
+          </p:style>
+          <p:txBody>
+            <a:bodyPr rtlCol="0" anchor="ctr"/>
+            <a:lstStyle/>
+            <a:p>
+              <a:pPr algn="ctr"/>
+              <a:endParaRPr lang="en-US"/>
+            </a:p>
+          </p:txBody>
+        </p:sp>
+        <p:sp>
+          <p:nvSpPr>
+            <p:cNvPr id="30" name="TextBox 29"/>
             <p:cNvSpPr txBox="1"/>
             <p:nvPr/>
           </p:nvSpPr>
           <p:spPr>
-            <a:xfrm flipH="1">
-              <a:off x="880029" y="3843494"/>
-              <a:ext cx="360009" cy="276999"/>
+            <a:xfrm>
+              <a:off x="759938" y="1624058"/>
+              <a:ext cx="430887" cy="1266889"/>
             </a:xfrm>
             <a:prstGeom prst="rect">
               <a:avLst/>
@@ -4902,20 +5124,734 @@
             <a:noFill/>
           </p:spPr>
           <p:txBody>
-            <a:bodyPr wrap="square" lIns="0" tIns="0" rIns="0" bIns="0" rtlCol="0">
+            <a:bodyPr vert="vert270" wrap="square" rtlCol="0">
               <a:spAutoFit/>
             </a:bodyPr>
             <a:lstStyle/>
             <a:p>
               <a:pPr algn="ctr"/>
               <a:r>
-                <a:rPr lang="en-US" dirty="0">
+                <a:rPr lang="en-US" sz="1600" dirty="0" smtClean="0">
                   <a:latin typeface="Avenir Black"/>
                   <a:cs typeface="Avenir Black"/>
                 </a:rPr>
-                <a:t>S</a:t>
+                <a:t>Volume</a:t>
               </a:r>
-              <a:endParaRPr lang="en-US" dirty="0">
+              <a:endParaRPr lang="en-US" sz="1600" dirty="0">
+                <a:latin typeface="Avenir Black"/>
+                <a:cs typeface="Avenir Black"/>
+              </a:endParaRPr>
+            </a:p>
+          </p:txBody>
+        </p:sp>
+        <p:sp>
+          <p:nvSpPr>
+            <p:cNvPr id="33" name="Rectangle 32"/>
+            <p:cNvSpPr/>
+            <p:nvPr/>
+          </p:nvSpPr>
+          <p:spPr>
+            <a:xfrm>
+              <a:off x="1312908" y="2900800"/>
+              <a:ext cx="520507" cy="156166"/>
+            </a:xfrm>
+            <a:prstGeom prst="rect">
+              <a:avLst/>
+            </a:prstGeom>
+          </p:spPr>
+          <p:style>
+            <a:lnRef idx="1">
+              <a:schemeClr val="accent1"/>
+            </a:lnRef>
+            <a:fillRef idx="3">
+              <a:schemeClr val="accent1"/>
+            </a:fillRef>
+            <a:effectRef idx="2">
+              <a:schemeClr val="accent1"/>
+            </a:effectRef>
+            <a:fontRef idx="minor">
+              <a:schemeClr val="lt1"/>
+            </a:fontRef>
+          </p:style>
+          <p:txBody>
+            <a:bodyPr rtlCol="0" anchor="ctr"/>
+            <a:lstStyle/>
+            <a:p>
+              <a:pPr algn="ctr"/>
+              <a:endParaRPr lang="en-US"/>
+            </a:p>
+          </p:txBody>
+        </p:sp>
+        <p:sp>
+          <p:nvSpPr>
+            <p:cNvPr id="34" name="Rounded Rectangle 33"/>
+            <p:cNvSpPr/>
+            <p:nvPr/>
+          </p:nvSpPr>
+          <p:spPr>
+            <a:xfrm>
+              <a:off x="1312909" y="1630704"/>
+              <a:ext cx="520506" cy="1624057"/>
+            </a:xfrm>
+            <a:prstGeom prst="roundRect">
+              <a:avLst/>
+            </a:prstGeom>
+            <a:noFill/>
+            <a:ln>
+              <a:solidFill>
+                <a:schemeClr val="tx1"/>
+              </a:solidFill>
+            </a:ln>
+          </p:spPr>
+          <p:style>
+            <a:lnRef idx="1">
+              <a:schemeClr val="accent1"/>
+            </a:lnRef>
+            <a:fillRef idx="3">
+              <a:schemeClr val="accent1"/>
+            </a:fillRef>
+            <a:effectRef idx="2">
+              <a:schemeClr val="accent1"/>
+            </a:effectRef>
+            <a:fontRef idx="minor">
+              <a:schemeClr val="lt1"/>
+            </a:fontRef>
+          </p:style>
+          <p:txBody>
+            <a:bodyPr rtlCol="0" anchor="ctr"/>
+            <a:lstStyle/>
+            <a:p>
+              <a:pPr algn="ctr"/>
+              <a:endParaRPr lang="en-US"/>
+            </a:p>
+          </p:txBody>
+        </p:sp>
+        <p:sp>
+          <p:nvSpPr>
+            <p:cNvPr id="35" name="TextBox 34"/>
+            <p:cNvSpPr txBox="1"/>
+            <p:nvPr/>
+          </p:nvSpPr>
+          <p:spPr>
+            <a:xfrm>
+              <a:off x="1364959" y="1630704"/>
+              <a:ext cx="430887" cy="1266889"/>
+            </a:xfrm>
+            <a:prstGeom prst="rect">
+              <a:avLst/>
+            </a:prstGeom>
+            <a:noFill/>
+          </p:spPr>
+          <p:txBody>
+            <a:bodyPr vert="vert270" wrap="square" rtlCol="0">
+              <a:spAutoFit/>
+            </a:bodyPr>
+            <a:lstStyle/>
+            <a:p>
+              <a:pPr algn="ctr"/>
+              <a:r>
+                <a:rPr lang="en-US" sz="1600" dirty="0" smtClean="0">
+                  <a:latin typeface="Avenir Black"/>
+                  <a:cs typeface="Avenir Black"/>
+                </a:rPr>
+                <a:t>Vibrato</a:t>
+              </a:r>
+              <a:endParaRPr lang="en-US" sz="1600" dirty="0">
+                <a:latin typeface="Avenir Black"/>
+                <a:cs typeface="Avenir Black"/>
+              </a:endParaRPr>
+            </a:p>
+          </p:txBody>
+        </p:sp>
+        <p:sp>
+          <p:nvSpPr>
+            <p:cNvPr id="37" name="Rectangle 36"/>
+            <p:cNvSpPr/>
+            <p:nvPr/>
+          </p:nvSpPr>
+          <p:spPr>
+            <a:xfrm>
+              <a:off x="1920134" y="2911211"/>
+              <a:ext cx="520507" cy="156166"/>
+            </a:xfrm>
+            <a:prstGeom prst="rect">
+              <a:avLst/>
+            </a:prstGeom>
+          </p:spPr>
+          <p:style>
+            <a:lnRef idx="1">
+              <a:schemeClr val="accent1"/>
+            </a:lnRef>
+            <a:fillRef idx="3">
+              <a:schemeClr val="accent1"/>
+            </a:fillRef>
+            <a:effectRef idx="2">
+              <a:schemeClr val="accent1"/>
+            </a:effectRef>
+            <a:fontRef idx="minor">
+              <a:schemeClr val="lt1"/>
+            </a:fontRef>
+          </p:style>
+          <p:txBody>
+            <a:bodyPr rtlCol="0" anchor="ctr"/>
+            <a:lstStyle/>
+            <a:p>
+              <a:pPr algn="ctr"/>
+              <a:endParaRPr lang="en-US"/>
+            </a:p>
+          </p:txBody>
+        </p:sp>
+        <p:sp>
+          <p:nvSpPr>
+            <p:cNvPr id="38" name="Rounded Rectangle 37"/>
+            <p:cNvSpPr/>
+            <p:nvPr/>
+          </p:nvSpPr>
+          <p:spPr>
+            <a:xfrm>
+              <a:off x="1920135" y="1641115"/>
+              <a:ext cx="520506" cy="1624057"/>
+            </a:xfrm>
+            <a:prstGeom prst="roundRect">
+              <a:avLst/>
+            </a:prstGeom>
+            <a:noFill/>
+            <a:ln>
+              <a:solidFill>
+                <a:schemeClr val="tx1"/>
+              </a:solidFill>
+            </a:ln>
+          </p:spPr>
+          <p:style>
+            <a:lnRef idx="1">
+              <a:schemeClr val="accent1"/>
+            </a:lnRef>
+            <a:fillRef idx="3">
+              <a:schemeClr val="accent1"/>
+            </a:fillRef>
+            <a:effectRef idx="2">
+              <a:schemeClr val="accent1"/>
+            </a:effectRef>
+            <a:fontRef idx="minor">
+              <a:schemeClr val="lt1"/>
+            </a:fontRef>
+          </p:style>
+          <p:txBody>
+            <a:bodyPr rtlCol="0" anchor="ctr"/>
+            <a:lstStyle/>
+            <a:p>
+              <a:pPr algn="ctr"/>
+              <a:endParaRPr lang="en-US"/>
+            </a:p>
+          </p:txBody>
+        </p:sp>
+        <p:sp>
+          <p:nvSpPr>
+            <p:cNvPr id="39" name="TextBox 38"/>
+            <p:cNvSpPr txBox="1"/>
+            <p:nvPr/>
+          </p:nvSpPr>
+          <p:spPr>
+            <a:xfrm>
+              <a:off x="1972185" y="1641115"/>
+              <a:ext cx="430887" cy="1266889"/>
+            </a:xfrm>
+            <a:prstGeom prst="rect">
+              <a:avLst/>
+            </a:prstGeom>
+            <a:noFill/>
+          </p:spPr>
+          <p:txBody>
+            <a:bodyPr vert="vert270" wrap="square" rtlCol="0">
+              <a:spAutoFit/>
+            </a:bodyPr>
+            <a:lstStyle/>
+            <a:p>
+              <a:pPr algn="ctr"/>
+              <a:r>
+                <a:rPr lang="en-US" sz="1600" dirty="0" smtClean="0">
+                  <a:latin typeface="Avenir Black"/>
+                  <a:cs typeface="Avenir Black"/>
+                </a:rPr>
+                <a:t>Tremolo</a:t>
+              </a:r>
+              <a:endParaRPr lang="en-US" sz="1600" dirty="0">
+                <a:latin typeface="Avenir Black"/>
+                <a:cs typeface="Avenir Black"/>
+              </a:endParaRPr>
+            </a:p>
+          </p:txBody>
+        </p:sp>
+        <p:sp>
+          <p:nvSpPr>
+            <p:cNvPr id="41" name="Rectangle 40"/>
+            <p:cNvSpPr/>
+            <p:nvPr/>
+          </p:nvSpPr>
+          <p:spPr>
+            <a:xfrm>
+              <a:off x="2525890" y="2900800"/>
+              <a:ext cx="520507" cy="156166"/>
+            </a:xfrm>
+            <a:prstGeom prst="rect">
+              <a:avLst/>
+            </a:prstGeom>
+          </p:spPr>
+          <p:style>
+            <a:lnRef idx="1">
+              <a:schemeClr val="accent1"/>
+            </a:lnRef>
+            <a:fillRef idx="3">
+              <a:schemeClr val="accent1"/>
+            </a:fillRef>
+            <a:effectRef idx="2">
+              <a:schemeClr val="accent1"/>
+            </a:effectRef>
+            <a:fontRef idx="minor">
+              <a:schemeClr val="lt1"/>
+            </a:fontRef>
+          </p:style>
+          <p:txBody>
+            <a:bodyPr rtlCol="0" anchor="ctr"/>
+            <a:lstStyle/>
+            <a:p>
+              <a:pPr algn="ctr"/>
+              <a:endParaRPr lang="en-US"/>
+            </a:p>
+          </p:txBody>
+        </p:sp>
+        <p:sp>
+          <p:nvSpPr>
+            <p:cNvPr id="42" name="Rounded Rectangle 41"/>
+            <p:cNvSpPr/>
+            <p:nvPr/>
+          </p:nvSpPr>
+          <p:spPr>
+            <a:xfrm>
+              <a:off x="2525891" y="1630704"/>
+              <a:ext cx="520506" cy="1624057"/>
+            </a:xfrm>
+            <a:prstGeom prst="roundRect">
+              <a:avLst/>
+            </a:prstGeom>
+            <a:noFill/>
+            <a:ln>
+              <a:solidFill>
+                <a:schemeClr val="tx1"/>
+              </a:solidFill>
+            </a:ln>
+          </p:spPr>
+          <p:style>
+            <a:lnRef idx="1">
+              <a:schemeClr val="accent1"/>
+            </a:lnRef>
+            <a:fillRef idx="3">
+              <a:schemeClr val="accent1"/>
+            </a:fillRef>
+            <a:effectRef idx="2">
+              <a:schemeClr val="accent1"/>
+            </a:effectRef>
+            <a:fontRef idx="minor">
+              <a:schemeClr val="lt1"/>
+            </a:fontRef>
+          </p:style>
+          <p:txBody>
+            <a:bodyPr rtlCol="0" anchor="ctr"/>
+            <a:lstStyle/>
+            <a:p>
+              <a:pPr algn="ctr"/>
+              <a:endParaRPr lang="en-US"/>
+            </a:p>
+          </p:txBody>
+        </p:sp>
+        <p:sp>
+          <p:nvSpPr>
+            <p:cNvPr id="43" name="TextBox 42"/>
+            <p:cNvSpPr txBox="1"/>
+            <p:nvPr/>
+          </p:nvSpPr>
+          <p:spPr>
+            <a:xfrm>
+              <a:off x="2577941" y="1630704"/>
+              <a:ext cx="430887" cy="1266889"/>
+            </a:xfrm>
+            <a:prstGeom prst="rect">
+              <a:avLst/>
+            </a:prstGeom>
+            <a:noFill/>
+          </p:spPr>
+          <p:txBody>
+            <a:bodyPr vert="vert270" wrap="square" rtlCol="0">
+              <a:spAutoFit/>
+            </a:bodyPr>
+            <a:lstStyle/>
+            <a:p>
+              <a:pPr algn="ctr"/>
+              <a:r>
+                <a:rPr lang="en-US" sz="1600" dirty="0" smtClean="0">
+                  <a:latin typeface="Avenir Black"/>
+                  <a:cs typeface="Avenir Black"/>
+                </a:rPr>
+                <a:t>Attack</a:t>
+              </a:r>
+              <a:endParaRPr lang="en-US" sz="1600" dirty="0">
+                <a:latin typeface="Avenir Black"/>
+                <a:cs typeface="Avenir Black"/>
+              </a:endParaRPr>
+            </a:p>
+          </p:txBody>
+        </p:sp>
+        <p:sp>
+          <p:nvSpPr>
+            <p:cNvPr id="45" name="Rectangle 44"/>
+            <p:cNvSpPr/>
+            <p:nvPr/>
+          </p:nvSpPr>
+          <p:spPr>
+            <a:xfrm>
+              <a:off x="3150490" y="2900800"/>
+              <a:ext cx="520507" cy="156166"/>
+            </a:xfrm>
+            <a:prstGeom prst="rect">
+              <a:avLst/>
+            </a:prstGeom>
+          </p:spPr>
+          <p:style>
+            <a:lnRef idx="1">
+              <a:schemeClr val="accent1"/>
+            </a:lnRef>
+            <a:fillRef idx="3">
+              <a:schemeClr val="accent1"/>
+            </a:fillRef>
+            <a:effectRef idx="2">
+              <a:schemeClr val="accent1"/>
+            </a:effectRef>
+            <a:fontRef idx="minor">
+              <a:schemeClr val="lt1"/>
+            </a:fontRef>
+          </p:style>
+          <p:txBody>
+            <a:bodyPr rtlCol="0" anchor="ctr"/>
+            <a:lstStyle/>
+            <a:p>
+              <a:pPr algn="ctr"/>
+              <a:endParaRPr lang="en-US"/>
+            </a:p>
+          </p:txBody>
+        </p:sp>
+        <p:sp>
+          <p:nvSpPr>
+            <p:cNvPr id="46" name="Rounded Rectangle 45"/>
+            <p:cNvSpPr/>
+            <p:nvPr/>
+          </p:nvSpPr>
+          <p:spPr>
+            <a:xfrm>
+              <a:off x="3150491" y="1630704"/>
+              <a:ext cx="520506" cy="1624057"/>
+            </a:xfrm>
+            <a:prstGeom prst="roundRect">
+              <a:avLst/>
+            </a:prstGeom>
+            <a:noFill/>
+            <a:ln>
+              <a:solidFill>
+                <a:schemeClr val="tx1"/>
+              </a:solidFill>
+            </a:ln>
+          </p:spPr>
+          <p:style>
+            <a:lnRef idx="1">
+              <a:schemeClr val="accent1"/>
+            </a:lnRef>
+            <a:fillRef idx="3">
+              <a:schemeClr val="accent1"/>
+            </a:fillRef>
+            <a:effectRef idx="2">
+              <a:schemeClr val="accent1"/>
+            </a:effectRef>
+            <a:fontRef idx="minor">
+              <a:schemeClr val="lt1"/>
+            </a:fontRef>
+          </p:style>
+          <p:txBody>
+            <a:bodyPr rtlCol="0" anchor="ctr"/>
+            <a:lstStyle/>
+            <a:p>
+              <a:pPr algn="ctr"/>
+              <a:endParaRPr lang="en-US"/>
+            </a:p>
+          </p:txBody>
+        </p:sp>
+        <p:sp>
+          <p:nvSpPr>
+            <p:cNvPr id="47" name="TextBox 46"/>
+            <p:cNvSpPr txBox="1"/>
+            <p:nvPr/>
+          </p:nvSpPr>
+          <p:spPr>
+            <a:xfrm>
+              <a:off x="3202541" y="1630704"/>
+              <a:ext cx="430887" cy="1266889"/>
+            </a:xfrm>
+            <a:prstGeom prst="rect">
+              <a:avLst/>
+            </a:prstGeom>
+            <a:noFill/>
+          </p:spPr>
+          <p:txBody>
+            <a:bodyPr vert="vert270" wrap="square" rtlCol="0">
+              <a:spAutoFit/>
+            </a:bodyPr>
+            <a:lstStyle/>
+            <a:p>
+              <a:pPr algn="ctr"/>
+              <a:r>
+                <a:rPr lang="en-US" sz="1600" dirty="0" smtClean="0">
+                  <a:latin typeface="Avenir Black"/>
+                  <a:cs typeface="Avenir Black"/>
+                </a:rPr>
+                <a:t>Release</a:t>
+              </a:r>
+              <a:endParaRPr lang="en-US" sz="1600" dirty="0">
+                <a:latin typeface="Avenir Black"/>
+                <a:cs typeface="Avenir Black"/>
+              </a:endParaRPr>
+            </a:p>
+          </p:txBody>
+        </p:sp>
+        <p:sp>
+          <p:nvSpPr>
+            <p:cNvPr id="49" name="Rectangle 48"/>
+            <p:cNvSpPr/>
+            <p:nvPr/>
+          </p:nvSpPr>
+          <p:spPr>
+            <a:xfrm>
+              <a:off x="3764680" y="2900800"/>
+              <a:ext cx="520507" cy="156166"/>
+            </a:xfrm>
+            <a:prstGeom prst="rect">
+              <a:avLst/>
+            </a:prstGeom>
+          </p:spPr>
+          <p:style>
+            <a:lnRef idx="1">
+              <a:schemeClr val="accent1"/>
+            </a:lnRef>
+            <a:fillRef idx="3">
+              <a:schemeClr val="accent1"/>
+            </a:fillRef>
+            <a:effectRef idx="2">
+              <a:schemeClr val="accent1"/>
+            </a:effectRef>
+            <a:fontRef idx="minor">
+              <a:schemeClr val="lt1"/>
+            </a:fontRef>
+          </p:style>
+          <p:txBody>
+            <a:bodyPr rtlCol="0" anchor="ctr"/>
+            <a:lstStyle/>
+            <a:p>
+              <a:pPr algn="ctr"/>
+              <a:endParaRPr lang="en-US"/>
+            </a:p>
+          </p:txBody>
+        </p:sp>
+        <p:sp>
+          <p:nvSpPr>
+            <p:cNvPr id="50" name="Rounded Rectangle 49"/>
+            <p:cNvSpPr/>
+            <p:nvPr/>
+          </p:nvSpPr>
+          <p:spPr>
+            <a:xfrm>
+              <a:off x="3764681" y="1630704"/>
+              <a:ext cx="520506" cy="1624057"/>
+            </a:xfrm>
+            <a:prstGeom prst="roundRect">
+              <a:avLst/>
+            </a:prstGeom>
+            <a:noFill/>
+            <a:ln>
+              <a:solidFill>
+                <a:schemeClr val="tx1"/>
+              </a:solidFill>
+            </a:ln>
+          </p:spPr>
+          <p:style>
+            <a:lnRef idx="1">
+              <a:schemeClr val="accent1"/>
+            </a:lnRef>
+            <a:fillRef idx="3">
+              <a:schemeClr val="accent1"/>
+            </a:fillRef>
+            <a:effectRef idx="2">
+              <a:schemeClr val="accent1"/>
+            </a:effectRef>
+            <a:fontRef idx="minor">
+              <a:schemeClr val="lt1"/>
+            </a:fontRef>
+          </p:style>
+          <p:txBody>
+            <a:bodyPr rtlCol="0" anchor="ctr"/>
+            <a:lstStyle/>
+            <a:p>
+              <a:pPr algn="ctr"/>
+              <a:endParaRPr lang="en-US"/>
+            </a:p>
+          </p:txBody>
+        </p:sp>
+        <p:sp>
+          <p:nvSpPr>
+            <p:cNvPr id="51" name="TextBox 50"/>
+            <p:cNvSpPr txBox="1"/>
+            <p:nvPr/>
+          </p:nvSpPr>
+          <p:spPr>
+            <a:xfrm>
+              <a:off x="3816731" y="1630704"/>
+              <a:ext cx="430887" cy="1266889"/>
+            </a:xfrm>
+            <a:prstGeom prst="rect">
+              <a:avLst/>
+            </a:prstGeom>
+            <a:noFill/>
+          </p:spPr>
+          <p:txBody>
+            <a:bodyPr vert="vert270" wrap="square" rtlCol="0">
+              <a:spAutoFit/>
+            </a:bodyPr>
+            <a:lstStyle/>
+            <a:p>
+              <a:pPr algn="ctr"/>
+              <a:r>
+                <a:rPr lang="en-US" sz="1600" dirty="0" smtClean="0">
+                  <a:latin typeface="Avenir Black"/>
+                  <a:cs typeface="Avenir Black"/>
+                </a:rPr>
+                <a:t>Glide</a:t>
+              </a:r>
+              <a:endParaRPr lang="en-US" sz="1600" dirty="0">
+                <a:latin typeface="Avenir Black"/>
+                <a:cs typeface="Avenir Black"/>
+              </a:endParaRPr>
+            </a:p>
+          </p:txBody>
+        </p:sp>
+        <p:sp>
+          <p:nvSpPr>
+            <p:cNvPr id="53" name="Rectangle 52"/>
+            <p:cNvSpPr/>
+            <p:nvPr/>
+          </p:nvSpPr>
+          <p:spPr>
+            <a:xfrm>
+              <a:off x="4378870" y="2900800"/>
+              <a:ext cx="520507" cy="156166"/>
+            </a:xfrm>
+            <a:prstGeom prst="rect">
+              <a:avLst/>
+            </a:prstGeom>
+          </p:spPr>
+          <p:style>
+            <a:lnRef idx="1">
+              <a:schemeClr val="accent1"/>
+            </a:lnRef>
+            <a:fillRef idx="3">
+              <a:schemeClr val="accent1"/>
+            </a:fillRef>
+            <a:effectRef idx="2">
+              <a:schemeClr val="accent1"/>
+            </a:effectRef>
+            <a:fontRef idx="minor">
+              <a:schemeClr val="lt1"/>
+            </a:fontRef>
+          </p:style>
+          <p:txBody>
+            <a:bodyPr rtlCol="0" anchor="ctr"/>
+            <a:lstStyle/>
+            <a:p>
+              <a:pPr algn="ctr"/>
+              <a:endParaRPr lang="en-US"/>
+            </a:p>
+          </p:txBody>
+        </p:sp>
+        <p:sp>
+          <p:nvSpPr>
+            <p:cNvPr id="54" name="Rounded Rectangle 53"/>
+            <p:cNvSpPr/>
+            <p:nvPr/>
+          </p:nvSpPr>
+          <p:spPr>
+            <a:xfrm>
+              <a:off x="4378871" y="1630704"/>
+              <a:ext cx="520506" cy="1624057"/>
+            </a:xfrm>
+            <a:prstGeom prst="roundRect">
+              <a:avLst/>
+            </a:prstGeom>
+            <a:noFill/>
+            <a:ln>
+              <a:solidFill>
+                <a:schemeClr val="tx1"/>
+              </a:solidFill>
+            </a:ln>
+          </p:spPr>
+          <p:style>
+            <a:lnRef idx="1">
+              <a:schemeClr val="accent1"/>
+            </a:lnRef>
+            <a:fillRef idx="3">
+              <a:schemeClr val="accent1"/>
+            </a:fillRef>
+            <a:effectRef idx="2">
+              <a:schemeClr val="accent1"/>
+            </a:effectRef>
+            <a:fontRef idx="minor">
+              <a:schemeClr val="lt1"/>
+            </a:fontRef>
+          </p:style>
+          <p:txBody>
+            <a:bodyPr rtlCol="0" anchor="ctr"/>
+            <a:lstStyle/>
+            <a:p>
+              <a:pPr algn="ctr"/>
+              <a:endParaRPr lang="en-US"/>
+            </a:p>
+          </p:txBody>
+        </p:sp>
+        <p:sp>
+          <p:nvSpPr>
+            <p:cNvPr id="55" name="TextBox 54"/>
+            <p:cNvSpPr txBox="1"/>
+            <p:nvPr/>
+          </p:nvSpPr>
+          <p:spPr>
+            <a:xfrm>
+              <a:off x="4430921" y="1630704"/>
+              <a:ext cx="430887" cy="1266889"/>
+            </a:xfrm>
+            <a:prstGeom prst="rect">
+              <a:avLst/>
+            </a:prstGeom>
+            <a:noFill/>
+          </p:spPr>
+          <p:txBody>
+            <a:bodyPr vert="vert270" wrap="square" rtlCol="0">
+              <a:spAutoFit/>
+            </a:bodyPr>
+            <a:lstStyle/>
+            <a:p>
+              <a:pPr algn="ctr"/>
+              <a:r>
+                <a:rPr lang="en-US" sz="1600" dirty="0" smtClean="0">
+                  <a:latin typeface="Avenir Black"/>
+                  <a:cs typeface="Avenir Black"/>
+                </a:rPr>
+                <a:t>Interpolate</a:t>
+              </a:r>
+              <a:endParaRPr lang="en-US" sz="1600" dirty="0">
                 <a:latin typeface="Avenir Black"/>
                 <a:cs typeface="Avenir Black"/>
               </a:endParaRPr>
@@ -5234,8 +6170,50 @@
             <a:fillRect/>
           </a:stretch>
         </p:blipFill>
-        <p:spPr/>
+        <p:spPr>
+          <a:xfrm>
+            <a:off x="457200" y="1902119"/>
+            <a:ext cx="8229600" cy="4876800"/>
+          </a:xfrm>
+        </p:spPr>
       </p:pic>
+      <p:sp>
+        <p:nvSpPr>
+          <p:cNvPr id="3" name="TextBox 2"/>
+          <p:cNvSpPr txBox="1"/>
+          <p:nvPr/>
+        </p:nvSpPr>
+        <p:spPr>
+          <a:xfrm>
+            <a:off x="1540700" y="1524000"/>
+            <a:ext cx="6381411" cy="378119"/>
+          </a:xfrm>
+          <a:prstGeom prst="rect">
+            <a:avLst/>
+          </a:prstGeom>
+          <a:noFill/>
+        </p:spPr>
+        <p:txBody>
+          <a:bodyPr wrap="square" rtlCol="0">
+            <a:spAutoFit/>
+          </a:bodyPr>
+          <a:lstStyle/>
+          <a:p>
+            <a:pPr algn="ctr"/>
+            <a:r>
+              <a:rPr lang="en-US" dirty="0" smtClean="0">
+                <a:latin typeface="Avenir Medium"/>
+                <a:cs typeface="Avenir Medium"/>
+              </a:rPr>
+              <a:t>Lattice Coefficient Interpolation from A to I</a:t>
+            </a:r>
+            <a:endParaRPr lang="en-US" dirty="0">
+              <a:latin typeface="Avenir Medium"/>
+              <a:cs typeface="Avenir Medium"/>
+            </a:endParaRPr>
+          </a:p>
+        </p:txBody>
+      </p:sp>
     </p:spTree>
     <p:extLst>
       <p:ext uri="{BB962C8B-B14F-4D97-AF65-F5344CB8AC3E}">

--- a/Presentation.pptx
+++ b/Presentation.pptx
@@ -307,7 +307,7 @@
           <a:p>
             <a:fld id="{CE308CB4-5BFE-FB42-A6A4-99C26AE6CCAF}" type="datetimeFigureOut">
               <a:rPr lang="en-US" smtClean="0"/>
-              <a:t>5/11/14</a:t>
+              <a:t>5/12/14</a:t>
             </a:fld>
             <a:endParaRPr lang="en-US"/>
           </a:p>
@@ -507,7 +507,7 @@
           <a:p>
             <a:fld id="{CE308CB4-5BFE-FB42-A6A4-99C26AE6CCAF}" type="datetimeFigureOut">
               <a:rPr lang="en-US" smtClean="0"/>
-              <a:t>5/11/14</a:t>
+              <a:t>5/12/14</a:t>
             </a:fld>
             <a:endParaRPr lang="en-US"/>
           </a:p>
@@ -682,7 +682,7 @@
           <a:p>
             <a:fld id="{CE308CB4-5BFE-FB42-A6A4-99C26AE6CCAF}" type="datetimeFigureOut">
               <a:rPr lang="en-US" smtClean="0"/>
-              <a:t>5/11/14</a:t>
+              <a:t>5/12/14</a:t>
             </a:fld>
             <a:endParaRPr lang="en-US"/>
           </a:p>
@@ -847,7 +847,7 @@
           <a:p>
             <a:fld id="{CE308CB4-5BFE-FB42-A6A4-99C26AE6CCAF}" type="datetimeFigureOut">
               <a:rPr lang="en-US" smtClean="0"/>
-              <a:t>5/11/14</a:t>
+              <a:t>5/12/14</a:t>
             </a:fld>
             <a:endParaRPr lang="en-US"/>
           </a:p>
@@ -1095,7 +1095,7 @@
           <a:p>
             <a:fld id="{CE308CB4-5BFE-FB42-A6A4-99C26AE6CCAF}" type="datetimeFigureOut">
               <a:rPr lang="en-US" smtClean="0"/>
-              <a:t>5/11/14</a:t>
+              <a:t>5/12/14</a:t>
             </a:fld>
             <a:endParaRPr lang="en-US"/>
           </a:p>
@@ -1413,7 +1413,7 @@
           <a:p>
             <a:fld id="{CE308CB4-5BFE-FB42-A6A4-99C26AE6CCAF}" type="datetimeFigureOut">
               <a:rPr lang="en-US" smtClean="0"/>
-              <a:t>5/11/14</a:t>
+              <a:t>5/12/14</a:t>
             </a:fld>
             <a:endParaRPr lang="en-US"/>
           </a:p>
@@ -1879,7 +1879,7 @@
           <a:p>
             <a:fld id="{CE308CB4-5BFE-FB42-A6A4-99C26AE6CCAF}" type="datetimeFigureOut">
               <a:rPr lang="en-US" smtClean="0"/>
-              <a:t>5/11/14</a:t>
+              <a:t>5/12/14</a:t>
             </a:fld>
             <a:endParaRPr lang="en-US"/>
           </a:p>
@@ -2027,7 +2027,7 @@
           <a:p>
             <a:fld id="{CE308CB4-5BFE-FB42-A6A4-99C26AE6CCAF}" type="datetimeFigureOut">
               <a:rPr lang="en-US" smtClean="0"/>
-              <a:t>5/11/14</a:t>
+              <a:t>5/12/14</a:t>
             </a:fld>
             <a:endParaRPr lang="en-US"/>
           </a:p>
@@ -2117,7 +2117,7 @@
           <a:p>
             <a:fld id="{CE308CB4-5BFE-FB42-A6A4-99C26AE6CCAF}" type="datetimeFigureOut">
               <a:rPr lang="en-US" smtClean="0"/>
-              <a:t>5/11/14</a:t>
+              <a:t>5/12/14</a:t>
             </a:fld>
             <a:endParaRPr lang="en-US"/>
           </a:p>
@@ -2391,7 +2391,7 @@
           <a:p>
             <a:fld id="{CE308CB4-5BFE-FB42-A6A4-99C26AE6CCAF}" type="datetimeFigureOut">
               <a:rPr lang="en-US" smtClean="0"/>
-              <a:t>5/11/14</a:t>
+              <a:t>5/12/14</a:t>
             </a:fld>
             <a:endParaRPr lang="en-US"/>
           </a:p>
@@ -2696,7 +2696,7 @@
           <a:p>
             <a:fld id="{CE308CB4-5BFE-FB42-A6A4-99C26AE6CCAF}" type="datetimeFigureOut">
               <a:rPr lang="en-US" smtClean="0"/>
-              <a:t>5/11/14</a:t>
+              <a:t>5/12/14</a:t>
             </a:fld>
             <a:endParaRPr lang="en-US"/>
           </a:p>
@@ -3000,7 +3000,7 @@
             <a:fld id="{CE308CB4-5BFE-FB42-A6A4-99C26AE6CCAF}" type="datetimeFigureOut">
               <a:rPr lang="en-US" smtClean="0"/>
               <a:pPr/>
-              <a:t>5/11/14</a:t>
+              <a:t>5/12/14</a:t>
             </a:fld>
             <a:endParaRPr lang="en-US" dirty="0"/>
           </a:p>
@@ -3418,7 +3418,7 @@
             <a:pPr algn="ctr"/>
             <a:r>
               <a:rPr lang="en-US" dirty="0" smtClean="0"/>
-              <a:t>Singing Synthesizer</a:t>
+              <a:t>VOCAL MUSIC SYNTHESIS</a:t>
             </a:r>
             <a:endParaRPr lang="en-US" dirty="0"/>
           </a:p>
@@ -3642,11 +3642,7 @@
           <a:p>
             <a:r>
               <a:rPr lang="en-US" sz="2800" dirty="0" smtClean="0"/>
-              <a:t>Playability is very </a:t>
-            </a:r>
-            <a:r>
-              <a:rPr lang="en-US" sz="2800" dirty="0" smtClean="0"/>
-              <a:t>high</a:t>
+              <a:t>Playability is very high</a:t>
             </a:r>
           </a:p>
           <a:p>
@@ -3689,11 +3685,7 @@
           <a:p>
             <a:r>
               <a:rPr lang="en-US" sz="2800" dirty="0" smtClean="0"/>
-              <a:t>Some consonants are </a:t>
-            </a:r>
-            <a:r>
-              <a:rPr lang="en-US" sz="2800" dirty="0" smtClean="0"/>
-              <a:t>great, while others are hard to distinguish</a:t>
+              <a:t>Some consonants are great, while others are hard to distinguish</a:t>
             </a:r>
           </a:p>
         </p:txBody>
@@ -4028,15 +4020,7 @@
             </a:pPr>
             <a:r>
               <a:rPr lang="en-US" sz="2000" dirty="0" smtClean="0"/>
-              <a:t>Supports H, F, V, S, Z, T, D, P, B, K, G, </a:t>
-            </a:r>
-            <a:r>
-              <a:rPr lang="en-US" sz="2000" dirty="0" smtClean="0"/>
-              <a:t>L, M</a:t>
-            </a:r>
-            <a:r>
-              <a:rPr lang="en-US" sz="2000" dirty="0" smtClean="0"/>
-              <a:t>, N</a:t>
+              <a:t>Supports H, F, V, S, Z, T, D, P, B, K, G, L, M, N</a:t>
             </a:r>
           </a:p>
           <a:p>
@@ -4649,10 +4633,6 @@
                 </a:rPr>
                 <a:t>F</a:t>
               </a:r>
-              <a:endParaRPr lang="en-US" dirty="0">
-                <a:latin typeface="Avenir Black"/>
-                <a:cs typeface="Avenir Black"/>
-              </a:endParaRPr>
             </a:p>
           </p:txBody>
         </p:sp>
@@ -4859,10 +4839,6 @@
                 </a:rPr>
                 <a:t>K</a:t>
               </a:r>
-              <a:endParaRPr lang="en-US" dirty="0">
-                <a:latin typeface="Avenir Black"/>
-                <a:cs typeface="Avenir Black"/>
-              </a:endParaRPr>
             </a:p>
           </p:txBody>
         </p:sp>
@@ -4896,10 +4872,6 @@
                 </a:rPr>
                 <a:t>B</a:t>
               </a:r>
-              <a:endParaRPr lang="en-US" dirty="0">
-                <a:latin typeface="Avenir Black"/>
-                <a:cs typeface="Avenir Black"/>
-              </a:endParaRPr>
             </a:p>
           </p:txBody>
         </p:sp>
@@ -4933,10 +4905,6 @@
                 </a:rPr>
                 <a:t>P</a:t>
               </a:r>
-              <a:endParaRPr lang="en-US" dirty="0">
-                <a:latin typeface="Avenir Black"/>
-                <a:cs typeface="Avenir Black"/>
-              </a:endParaRPr>
             </a:p>
           </p:txBody>
         </p:sp>
@@ -5003,10 +4971,6 @@
                 </a:rPr>
                 <a:t>Z</a:t>
               </a:r>
-              <a:endParaRPr lang="en-US" dirty="0">
-                <a:latin typeface="Avenir Black"/>
-                <a:cs typeface="Avenir Black"/>
-              </a:endParaRPr>
             </a:p>
           </p:txBody>
         </p:sp>
